--- a/assets/Battle-Hardened AI.pptx
+++ b/assets/Battle-Hardened AI.pptx
@@ -4184,7 +4184,7 @@
               <a:buNone/>
             </a:pPr>
             <a:r>
-              <a:rPr lang="en-US" dirty="0"/>
+              <a:rPr lang="en-US" sz="2200" dirty="0"/>
               <a:t>This document is written for people who understand first-layer enforcement, gateways, and control planes. It assumes familiarity with firewalls, routing, kernel telemetry, and pre-execution decision systems.</a:t>
             </a:r>
           </a:p>
@@ -4192,14 +4192,14 @@
             <a:pPr marL="0" indent="0" algn="just">
               <a:buNone/>
             </a:pPr>
-            <a:endParaRPr lang="en-US" dirty="0"/>
+            <a:endParaRPr lang="en-US" sz="2200" dirty="0"/>
           </a:p>
           <a:p>
             <a:pPr marL="0" indent="0" algn="just">
               <a:buNone/>
             </a:pPr>
             <a:r>
-              <a:rPr lang="en-US" dirty="0"/>
+              <a:rPr lang="en-US" sz="2200" dirty="0"/>
               <a:t>Nothing in Battle-Hardened AI is designed as a marketing gimmick: every term (21 layers, semantic execution-denial, trust graph, causal inference) corresponds to concrete modules, code paths, and enforcement points that can be inspected in this repository and its documentation.</a:t>
             </a:r>
           </a:p>
